--- a/SQL/Day 3 Aggregates/Aggregates.pptx
+++ b/SQL/Day 3 Aggregates/Aggregates.pptx
@@ -387,7 +387,7 @@
               <a:pPr>
                 <a:defRPr/>
               </a:pPr>
-              <a:t>1/27/24</a:t>
+              <a:t>3/7/24</a:t>
             </a:fld>
             <a:endParaRPr lang="en-US" dirty="0"/>
           </a:p>
@@ -597,7 +597,7 @@
               <a:pPr>
                 <a:defRPr/>
               </a:pPr>
-              <a:t>1/27/24</a:t>
+              <a:t>3/7/24</a:t>
             </a:fld>
             <a:endParaRPr lang="en-US" dirty="0"/>
           </a:p>
@@ -21405,6 +21405,19 @@
             </a:r>
           </a:p>
           <a:p>
+            <a:pPr algn="l">
+              <a:buFont typeface="Arial" panose="020B0604020202020204" pitchFamily="34" charset="0"/>
+              <a:buChar char="•"/>
+            </a:pPr>
+            <a:endParaRPr lang="en-US" b="0" i="0" dirty="0">
+              <a:solidFill>
+                <a:srgbClr val="374151"/>
+              </a:solidFill>
+              <a:effectLst/>
+              <a:latin typeface="Söhne"/>
+            </a:endParaRPr>
+          </a:p>
+          <a:p>
             <a:pPr lvl="1"/>
             <a:r>
               <a:rPr lang="en-US" b="0" i="0" dirty="0">
@@ -21434,11 +21447,21 @@
                 <a:effectLst/>
                 <a:latin typeface="Söhne"/>
               </a:rPr>
-              <a:t> of multiple values from a column or table, resulting in a summarized outcome.</a:t>
+              <a:t> of multiple values from a column.</a:t>
             </a:r>
           </a:p>
           <a:p>
             <a:pPr lvl="1"/>
+            <a:endParaRPr lang="en-US" b="0" i="0" dirty="0">
+              <a:solidFill>
+                <a:srgbClr val="374151"/>
+              </a:solidFill>
+              <a:effectLst/>
+              <a:latin typeface="Söhne"/>
+            </a:endParaRPr>
+          </a:p>
+          <a:p>
+            <a:pPr lvl="1"/>
             <a:r>
               <a:rPr lang="en-US" b="1" i="0" dirty="0">
                 <a:solidFill>
@@ -21482,6 +21505,16 @@
           </a:p>
           <a:p>
             <a:pPr lvl="1"/>
+            <a:endParaRPr lang="en-US" b="0" i="0" dirty="0">
+              <a:solidFill>
+                <a:srgbClr val="374151"/>
+              </a:solidFill>
+              <a:effectLst/>
+              <a:latin typeface="Söhne"/>
+            </a:endParaRPr>
+          </a:p>
+          <a:p>
+            <a:pPr lvl="1"/>
             <a:r>
               <a:rPr lang="en-US" b="0" i="0" dirty="0">
                 <a:solidFill>
@@ -21503,15 +21536,23 @@
               <a:t>central tendencies, totals, extremes, and more</a:t>
             </a:r>
             <a:r>
-              <a:rPr lang="en-US" b="0" i="0" dirty="0">
-                <a:solidFill>
-                  <a:srgbClr val="374151"/>
-                </a:solidFill>
-                <a:effectLst/>
-                <a:latin typeface="Söhne"/>
-              </a:rPr>
-              <a:t>, thereby aiding in comprehensive data analysis.</a:t>
-            </a:r>
+              <a:rPr lang="en-US" dirty="0">
+                <a:solidFill>
+                  <a:srgbClr val="374151"/>
+                </a:solidFill>
+                <a:latin typeface="Söhne"/>
+              </a:rPr>
+              <a:t>.</a:t>
+            </a:r>
+          </a:p>
+          <a:p>
+            <a:pPr lvl="1"/>
+            <a:endParaRPr lang="en-US" dirty="0">
+              <a:solidFill>
+                <a:srgbClr val="374151"/>
+              </a:solidFill>
+              <a:latin typeface="Söhne"/>
+            </a:endParaRPr>
           </a:p>
           <a:p>
             <a:pPr lvl="1"/>
@@ -26663,18 +26704,18 @@
 </file>
 
 <file path=customXml/item2.xml><?xml version="1.0" encoding="utf-8"?>
-<p:properties xmlns:p="http://schemas.microsoft.com/office/2006/metadata/properties" xmlns:xsi="http://www.w3.org/2001/XMLSchema-instance" xmlns:pc="http://schemas.microsoft.com/office/infopath/2007/PartnerControls">
-  <documentManagement/>
-</p:properties>
-</file>
-
-<file path=customXml/item3.xml><?xml version="1.0" encoding="utf-8"?>
 <?mso-contentType ?>
 <FormTemplates xmlns="http://schemas.microsoft.com/sharepoint/v3/contenttype/forms">
   <Display>DocumentLibraryForm</Display>
   <Edit>DocumentLibraryForm</Edit>
   <New>DocumentLibraryForm</New>
 </FormTemplates>
+</file>
+
+<file path=customXml/item3.xml><?xml version="1.0" encoding="utf-8"?>
+<p:properties xmlns:p="http://schemas.microsoft.com/office/2006/metadata/properties" xmlns:xsi="http://www.w3.org/2001/XMLSchema-instance" xmlns:pc="http://schemas.microsoft.com/office/infopath/2007/PartnerControls">
+  <documentManagement/>
+</p:properties>
 </file>
 
 <file path=customXml/itemProps1.xml><?xml version="1.0" encoding="utf-8"?>
@@ -26694,6 +26735,14 @@
 </file>
 
 <file path=customXml/itemProps2.xml><?xml version="1.0" encoding="utf-8"?>
+<ds:datastoreItem xmlns:ds="http://schemas.openxmlformats.org/officeDocument/2006/customXml" ds:itemID="{E49E43F2-009D-4FD5-9629-B1B9A3DF71DA}">
+  <ds:schemaRefs>
+    <ds:schemaRef ds:uri="http://schemas.microsoft.com/sharepoint/v3/contenttype/forms"/>
+  </ds:schemaRefs>
+</ds:datastoreItem>
+</file>
+
+<file path=customXml/itemProps3.xml><?xml version="1.0" encoding="utf-8"?>
 <ds:datastoreItem xmlns:ds="http://schemas.openxmlformats.org/officeDocument/2006/customXml" ds:itemID="{C530F82F-BEB8-4CE5-BAAE-EC5C7B644B7C}">
   <ds:schemaRefs>
     <ds:schemaRef ds:uri="http://schemas.microsoft.com/office/2006/documentManagement/types"/>
@@ -26706,12 +26755,4 @@
     <ds:schemaRef ds:uri="http://schemas.openxmlformats.org/package/2006/metadata/core-properties"/>
   </ds:schemaRefs>
 </ds:datastoreItem>
-</file>
-
-<file path=customXml/itemProps3.xml><?xml version="1.0" encoding="utf-8"?>
-<ds:datastoreItem xmlns:ds="http://schemas.openxmlformats.org/officeDocument/2006/customXml" ds:itemID="{E49E43F2-009D-4FD5-9629-B1B9A3DF71DA}">
-  <ds:schemaRefs>
-    <ds:schemaRef ds:uri="http://schemas.microsoft.com/sharepoint/v3/contenttype/forms"/>
-  </ds:schemaRefs>
-</ds:datastoreItem>
 </file>
--- a/SQL/Day 3 Aggregates/Aggregates.pptx
+++ b/SQL/Day 3 Aggregates/Aggregates.pptx
@@ -19364,7 +19364,7 @@
                 <a:effectLst/>
                 <a:latin typeface="Söhne"/>
               </a:rPr>
-              <a:t>Together, aggregates along with GROUP BY, HAVING, and ORDER BY provide the ability to summarize, analyze, and understand SQL data at a higher level.</a:t>
+              <a:t>Together, aggregates along with GROUP BY, and HAVING BY provide the ability to summarize, analyze, and understand SQL data at a higher level.</a:t>
             </a:r>
           </a:p>
           <a:p>
@@ -26704,18 +26704,18 @@
 </file>
 
 <file path=customXml/item2.xml><?xml version="1.0" encoding="utf-8"?>
+<p:properties xmlns:p="http://schemas.microsoft.com/office/2006/metadata/properties" xmlns:xsi="http://www.w3.org/2001/XMLSchema-instance" xmlns:pc="http://schemas.microsoft.com/office/infopath/2007/PartnerControls">
+  <documentManagement/>
+</p:properties>
+</file>
+
+<file path=customXml/item3.xml><?xml version="1.0" encoding="utf-8"?>
 <?mso-contentType ?>
 <FormTemplates xmlns="http://schemas.microsoft.com/sharepoint/v3/contenttype/forms">
   <Display>DocumentLibraryForm</Display>
   <Edit>DocumentLibraryForm</Edit>
   <New>DocumentLibraryForm</New>
 </FormTemplates>
-</file>
-
-<file path=customXml/item3.xml><?xml version="1.0" encoding="utf-8"?>
-<p:properties xmlns:p="http://schemas.microsoft.com/office/2006/metadata/properties" xmlns:xsi="http://www.w3.org/2001/XMLSchema-instance" xmlns:pc="http://schemas.microsoft.com/office/infopath/2007/PartnerControls">
-  <documentManagement/>
-</p:properties>
 </file>
 
 <file path=customXml/itemProps1.xml><?xml version="1.0" encoding="utf-8"?>
@@ -26735,14 +26735,6 @@
 </file>
 
 <file path=customXml/itemProps2.xml><?xml version="1.0" encoding="utf-8"?>
-<ds:datastoreItem xmlns:ds="http://schemas.openxmlformats.org/officeDocument/2006/customXml" ds:itemID="{E49E43F2-009D-4FD5-9629-B1B9A3DF71DA}">
-  <ds:schemaRefs>
-    <ds:schemaRef ds:uri="http://schemas.microsoft.com/sharepoint/v3/contenttype/forms"/>
-  </ds:schemaRefs>
-</ds:datastoreItem>
-</file>
-
-<file path=customXml/itemProps3.xml><?xml version="1.0" encoding="utf-8"?>
 <ds:datastoreItem xmlns:ds="http://schemas.openxmlformats.org/officeDocument/2006/customXml" ds:itemID="{C530F82F-BEB8-4CE5-BAAE-EC5C7B644B7C}">
   <ds:schemaRefs>
     <ds:schemaRef ds:uri="http://schemas.microsoft.com/office/2006/documentManagement/types"/>
@@ -26755,4 +26747,12 @@
     <ds:schemaRef ds:uri="http://schemas.openxmlformats.org/package/2006/metadata/core-properties"/>
   </ds:schemaRefs>
 </ds:datastoreItem>
+</file>
+
+<file path=customXml/itemProps3.xml><?xml version="1.0" encoding="utf-8"?>
+<ds:datastoreItem xmlns:ds="http://schemas.openxmlformats.org/officeDocument/2006/customXml" ds:itemID="{E49E43F2-009D-4FD5-9629-B1B9A3DF71DA}">
+  <ds:schemaRefs>
+    <ds:schemaRef ds:uri="http://schemas.microsoft.com/sharepoint/v3/contenttype/forms"/>
+  </ds:schemaRefs>
+</ds:datastoreItem>
 </file>